--- a/ppt.pptx
+++ b/ppt.pptx
@@ -3389,7 +3389,7 @@
         </p:blipFill>
         <p:spPr>
           <a:xfrm>
-            <a:off x="0" y="87442"/>
+            <a:off x="0" y="-43070"/>
             <a:ext cx="12192000" cy="6683115"/>
           </a:xfrm>
           <a:prstGeom prst="rect">
